--- a/preppt.pptx
+++ b/preppt.pptx
@@ -110,6 +110,11 @@
       </a:defRPr>
     </a:lvl9pPr>
   </p:defaultTextStyle>
+  <p:extLst>
+    <p:ext uri="{EFAFB233-063F-42B5-8137-9DF3F51BA10A}">
+      <p15:sldGuideLst xmlns:p15="http://schemas.microsoft.com/office/powerpoint/2012/main"/>
+    </p:ext>
+  </p:extLst>
 </p:presentation>
 </file>
 
@@ -260,7 +265,7 @@
           <a:p>
             <a:fld id="{07D1AA50-7632-9142-AA05-00B296F06E64}" type="datetimeFigureOut">
               <a:rPr lang="en-US" smtClean="0"/>
-              <a:t>5/27/20</a:t>
+              <a:t>5/31/2020</a:t>
             </a:fld>
             <a:endParaRPr lang="en-US"/>
           </a:p>
@@ -458,7 +463,7 @@
           <a:p>
             <a:fld id="{07D1AA50-7632-9142-AA05-00B296F06E64}" type="datetimeFigureOut">
               <a:rPr lang="en-US" smtClean="0"/>
-              <a:t>5/27/20</a:t>
+              <a:t>5/31/2020</a:t>
             </a:fld>
             <a:endParaRPr lang="en-US"/>
           </a:p>
@@ -666,7 +671,7 @@
           <a:p>
             <a:fld id="{07D1AA50-7632-9142-AA05-00B296F06E64}" type="datetimeFigureOut">
               <a:rPr lang="en-US" smtClean="0"/>
-              <a:t>5/27/20</a:t>
+              <a:t>5/31/2020</a:t>
             </a:fld>
             <a:endParaRPr lang="en-US"/>
           </a:p>
@@ -864,7 +869,7 @@
           <a:p>
             <a:fld id="{07D1AA50-7632-9142-AA05-00B296F06E64}" type="datetimeFigureOut">
               <a:rPr lang="en-US" smtClean="0"/>
-              <a:t>5/27/20</a:t>
+              <a:t>5/31/2020</a:t>
             </a:fld>
             <a:endParaRPr lang="en-US"/>
           </a:p>
@@ -1139,7 +1144,7 @@
           <a:p>
             <a:fld id="{07D1AA50-7632-9142-AA05-00B296F06E64}" type="datetimeFigureOut">
               <a:rPr lang="en-US" smtClean="0"/>
-              <a:t>5/27/20</a:t>
+              <a:t>5/31/2020</a:t>
             </a:fld>
             <a:endParaRPr lang="en-US"/>
           </a:p>
@@ -1404,7 +1409,7 @@
           <a:p>
             <a:fld id="{07D1AA50-7632-9142-AA05-00B296F06E64}" type="datetimeFigureOut">
               <a:rPr lang="en-US" smtClean="0"/>
-              <a:t>5/27/20</a:t>
+              <a:t>5/31/2020</a:t>
             </a:fld>
             <a:endParaRPr lang="en-US"/>
           </a:p>
@@ -1816,7 +1821,7 @@
           <a:p>
             <a:fld id="{07D1AA50-7632-9142-AA05-00B296F06E64}" type="datetimeFigureOut">
               <a:rPr lang="en-US" smtClean="0"/>
-              <a:t>5/27/20</a:t>
+              <a:t>5/31/2020</a:t>
             </a:fld>
             <a:endParaRPr lang="en-US"/>
           </a:p>
@@ -1957,7 +1962,7 @@
           <a:p>
             <a:fld id="{07D1AA50-7632-9142-AA05-00B296F06E64}" type="datetimeFigureOut">
               <a:rPr lang="en-US" smtClean="0"/>
-              <a:t>5/27/20</a:t>
+              <a:t>5/31/2020</a:t>
             </a:fld>
             <a:endParaRPr lang="en-US"/>
           </a:p>
@@ -2070,7 +2075,7 @@
           <a:p>
             <a:fld id="{07D1AA50-7632-9142-AA05-00B296F06E64}" type="datetimeFigureOut">
               <a:rPr lang="en-US" smtClean="0"/>
-              <a:t>5/27/20</a:t>
+              <a:t>5/31/2020</a:t>
             </a:fld>
             <a:endParaRPr lang="en-US"/>
           </a:p>
@@ -2381,7 +2386,7 @@
           <a:p>
             <a:fld id="{07D1AA50-7632-9142-AA05-00B296F06E64}" type="datetimeFigureOut">
               <a:rPr lang="en-US" smtClean="0"/>
-              <a:t>5/27/20</a:t>
+              <a:t>5/31/2020</a:t>
             </a:fld>
             <a:endParaRPr lang="en-US"/>
           </a:p>
@@ -2669,7 +2674,7 @@
           <a:p>
             <a:fld id="{07D1AA50-7632-9142-AA05-00B296F06E64}" type="datetimeFigureOut">
               <a:rPr lang="en-US" smtClean="0"/>
-              <a:t>5/27/20</a:t>
+              <a:t>5/31/2020</a:t>
             </a:fld>
             <a:endParaRPr lang="en-US"/>
           </a:p>
@@ -2910,7 +2915,7 @@
           <a:p>
             <a:fld id="{07D1AA50-7632-9142-AA05-00B296F06E64}" type="datetimeFigureOut">
               <a:rPr lang="en-US" smtClean="0"/>
-              <a:t>5/27/20</a:t>
+              <a:t>5/31/2020</a:t>
             </a:fld>
             <a:endParaRPr lang="en-US"/>
           </a:p>
@@ -4226,7 +4231,11 @@
           <a:p>
             <a:r>
               <a:rPr lang="zh-CN" altLang="en-US" dirty="0"/>
-              <a:t>截图、图片、文案及其它资源都可以放在这里</a:t>
+              <a:t>截图、图片、文案及其它资源都可以放</a:t>
+            </a:r>
+            <a:r>
+              <a:rPr lang="zh-CN" altLang="en-US"/>
+              <a:t>在这里。</a:t>
             </a:r>
             <a:endParaRPr lang="en-US" dirty="0"/>
           </a:p>

--- a/preppt.pptx
+++ b/preppt.pptx
@@ -265,7 +265,7 @@
           <a:p>
             <a:fld id="{07D1AA50-7632-9142-AA05-00B296F06E64}" type="datetimeFigureOut">
               <a:rPr lang="en-US" smtClean="0"/>
-              <a:t>5/31/2020</a:t>
+              <a:t>6/8/2020</a:t>
             </a:fld>
             <a:endParaRPr lang="en-US"/>
           </a:p>
@@ -463,7 +463,7 @@
           <a:p>
             <a:fld id="{07D1AA50-7632-9142-AA05-00B296F06E64}" type="datetimeFigureOut">
               <a:rPr lang="en-US" smtClean="0"/>
-              <a:t>5/31/2020</a:t>
+              <a:t>6/8/2020</a:t>
             </a:fld>
             <a:endParaRPr lang="en-US"/>
           </a:p>
@@ -671,7 +671,7 @@
           <a:p>
             <a:fld id="{07D1AA50-7632-9142-AA05-00B296F06E64}" type="datetimeFigureOut">
               <a:rPr lang="en-US" smtClean="0"/>
-              <a:t>5/31/2020</a:t>
+              <a:t>6/8/2020</a:t>
             </a:fld>
             <a:endParaRPr lang="en-US"/>
           </a:p>
@@ -869,7 +869,7 @@
           <a:p>
             <a:fld id="{07D1AA50-7632-9142-AA05-00B296F06E64}" type="datetimeFigureOut">
               <a:rPr lang="en-US" smtClean="0"/>
-              <a:t>5/31/2020</a:t>
+              <a:t>6/8/2020</a:t>
             </a:fld>
             <a:endParaRPr lang="en-US"/>
           </a:p>
@@ -1144,7 +1144,7 @@
           <a:p>
             <a:fld id="{07D1AA50-7632-9142-AA05-00B296F06E64}" type="datetimeFigureOut">
               <a:rPr lang="en-US" smtClean="0"/>
-              <a:t>5/31/2020</a:t>
+              <a:t>6/8/2020</a:t>
             </a:fld>
             <a:endParaRPr lang="en-US"/>
           </a:p>
@@ -1409,7 +1409,7 @@
           <a:p>
             <a:fld id="{07D1AA50-7632-9142-AA05-00B296F06E64}" type="datetimeFigureOut">
               <a:rPr lang="en-US" smtClean="0"/>
-              <a:t>5/31/2020</a:t>
+              <a:t>6/8/2020</a:t>
             </a:fld>
             <a:endParaRPr lang="en-US"/>
           </a:p>
@@ -1821,7 +1821,7 @@
           <a:p>
             <a:fld id="{07D1AA50-7632-9142-AA05-00B296F06E64}" type="datetimeFigureOut">
               <a:rPr lang="en-US" smtClean="0"/>
-              <a:t>5/31/2020</a:t>
+              <a:t>6/8/2020</a:t>
             </a:fld>
             <a:endParaRPr lang="en-US"/>
           </a:p>
@@ -1962,7 +1962,7 @@
           <a:p>
             <a:fld id="{07D1AA50-7632-9142-AA05-00B296F06E64}" type="datetimeFigureOut">
               <a:rPr lang="en-US" smtClean="0"/>
-              <a:t>5/31/2020</a:t>
+              <a:t>6/8/2020</a:t>
             </a:fld>
             <a:endParaRPr lang="en-US"/>
           </a:p>
@@ -2075,7 +2075,7 @@
           <a:p>
             <a:fld id="{07D1AA50-7632-9142-AA05-00B296F06E64}" type="datetimeFigureOut">
               <a:rPr lang="en-US" smtClean="0"/>
-              <a:t>5/31/2020</a:t>
+              <a:t>6/8/2020</a:t>
             </a:fld>
             <a:endParaRPr lang="en-US"/>
           </a:p>
@@ -2386,7 +2386,7 @@
           <a:p>
             <a:fld id="{07D1AA50-7632-9142-AA05-00B296F06E64}" type="datetimeFigureOut">
               <a:rPr lang="en-US" smtClean="0"/>
-              <a:t>5/31/2020</a:t>
+              <a:t>6/8/2020</a:t>
             </a:fld>
             <a:endParaRPr lang="en-US"/>
           </a:p>
@@ -2674,7 +2674,7 @@
           <a:p>
             <a:fld id="{07D1AA50-7632-9142-AA05-00B296F06E64}" type="datetimeFigureOut">
               <a:rPr lang="en-US" smtClean="0"/>
-              <a:t>5/31/2020</a:t>
+              <a:t>6/8/2020</a:t>
             </a:fld>
             <a:endParaRPr lang="en-US"/>
           </a:p>
@@ -2915,7 +2915,7 @@
           <a:p>
             <a:fld id="{07D1AA50-7632-9142-AA05-00B296F06E64}" type="datetimeFigureOut">
               <a:rPr lang="en-US" smtClean="0"/>
-              <a:t>5/31/2020</a:t>
+              <a:t>6/8/2020</a:t>
             </a:fld>
             <a:endParaRPr lang="en-US"/>
           </a:p>
